--- a/Стажировка.pptx
+++ b/Стажировка.pptx
@@ -6004,12 +6004,15 @@
                 <a:ea typeface="Arial"/>
                 <a:cs typeface="Arial"/>
               </a:rPr>
-              <a:t>Настройки Nginx в качестве реверс-прокси</a:t>
-            </a:r>
-            <a:endParaRPr sz="1800">
-              <a:solidFill>
-                <a:schemeClr val="bg1"/>
-              </a:solidFill>
+              <a:t>Развёртывание и настройка стека</a:t>
+            </a:r>
+            <a:endParaRPr lang="ru-RU" sz="1800" b="0" i="0" u="none" strike="noStrike" cap="none" spc="0">
+              <a:solidFill>
+                <a:schemeClr val="bg1"/>
+              </a:solidFill>
+              <a:latin typeface="Arial"/>
+              <a:ea typeface="Arial"/>
+              <a:cs typeface="Arial"/>
             </a:endParaRPr>
           </a:p>
           <a:p>
@@ -6025,14 +6028,15 @@
                 <a:ea typeface="Arial"/>
                 <a:cs typeface="Arial"/>
               </a:rPr>
-              <a:t>Генерация сертификатов для https</a:t>
+              <a:t>Сбор логов с контейнеров</a:t>
             </a:r>
             <a:endParaRPr lang="ru-RU" sz="1800" b="0" i="0" u="none" strike="noStrike" cap="none" spc="0">
               <a:solidFill>
                 <a:schemeClr val="bg1"/>
               </a:solidFill>
-              <a:latin typeface="Times New Roman"/>
-              <a:cs typeface="Times New Roman"/>
+              <a:latin typeface="Arial"/>
+              <a:ea typeface="Arial"/>
+              <a:cs typeface="Arial"/>
             </a:endParaRPr>
           </a:p>
           <a:p>
@@ -6048,14 +6052,15 @@
                 <a:ea typeface="Arial"/>
                 <a:cs typeface="Arial"/>
               </a:rPr>
-              <a:t>Поддержание работоспособности сервера</a:t>
+              <a:t>Сбор логов с серверов</a:t>
             </a:r>
             <a:endParaRPr lang="ru-RU" sz="1800" b="0" i="0" u="none" strike="noStrike" cap="none" spc="0">
               <a:solidFill>
                 <a:schemeClr val="bg1"/>
               </a:solidFill>
-              <a:latin typeface="Times New Roman"/>
-              <a:cs typeface="Times New Roman"/>
+              <a:latin typeface="Arial"/>
+              <a:ea typeface="Arial"/>
+              <a:cs typeface="Arial"/>
             </a:endParaRPr>
           </a:p>
           <a:p>
@@ -6071,35 +6076,7 @@
                 <a:ea typeface="Arial"/>
                 <a:cs typeface="Arial"/>
               </a:rPr>
-              <a:t>Сбор метрик </a:t>
-            </a:r>
-            <a:r>
-              <a:rPr lang="ru-RU" sz="1800" b="0" i="0" u="none" strike="noStrike" cap="none" spc="0">
-                <a:solidFill>
-                  <a:schemeClr val="bg1"/>
-                </a:solidFill>
-                <a:latin typeface="Arial"/>
-                <a:ea typeface="Arial"/>
-                <a:cs typeface="Arial"/>
-              </a:rPr>
-              <a:t>сервера</a:t>
-            </a:r>
-            <a:endParaRPr/>
-          </a:p>
-          <a:p>
-            <a:pPr>
-              <a:defRPr/>
-            </a:pPr>
-            <a:r>
-              <a:rPr lang="ru-RU" sz="1800" b="0" i="0" u="none" strike="noStrike" cap="none" spc="0">
-                <a:solidFill>
-                  <a:schemeClr val="bg1"/>
-                </a:solidFill>
-                <a:latin typeface="Arial"/>
-                <a:ea typeface="Arial"/>
-                <a:cs typeface="Arial"/>
-              </a:rPr>
-              <a:t>Мониторинг логов сервера</a:t>
+              <a:t>Автоматизация уведомлений</a:t>
             </a:r>
             <a:endParaRPr lang="ru-RU" sz="1800">
               <a:solidFill>
@@ -9480,7 +9457,7 @@
                 <a:ea typeface="Arial"/>
                 <a:cs typeface="Arial"/>
               </a:rPr>
-              <a:t>Настройки Nginx в качестве реверс-прокси</a:t>
+              <a:t>Одобрение merge requests в своей сфере</a:t>
             </a:r>
             <a:endParaRPr sz="1800">
               <a:solidFill>
@@ -9501,7 +9478,7 @@
                 <a:ea typeface="Arial"/>
                 <a:cs typeface="Arial"/>
               </a:rPr>
-              <a:t>Генерация сертификатов для https</a:t>
+              <a:t>Ведение репозиториев со своим кодом</a:t>
             </a:r>
             <a:endParaRPr lang="ru-RU" sz="1800" b="0" i="0" u="none" strike="noStrike" cap="none" spc="0">
               <a:solidFill>
@@ -9524,7 +9501,7 @@
                 <a:ea typeface="Arial"/>
                 <a:cs typeface="Arial"/>
               </a:rPr>
-              <a:t>Поддержание работоспособности сервера</a:t>
+              <a:t>Ведение ci/cd для доставки скриптов и дагов</a:t>
             </a:r>
             <a:endParaRPr lang="ru-RU" sz="1800" b="0" i="0" u="none" strike="noStrike" cap="none" spc="0">
               <a:solidFill>
@@ -9539,43 +9516,48 @@
               <a:defRPr/>
             </a:pPr>
             <a:r>
-              <a:rPr lang="ru-RU" sz="1800" b="0" i="0" u="none" strike="noStrike" cap="none" spc="0">
-                <a:solidFill>
-                  <a:schemeClr val="bg1"/>
-                </a:solidFill>
-                <a:latin typeface="Arial"/>
-                <a:ea typeface="Arial"/>
-                <a:cs typeface="Arial"/>
-              </a:rPr>
-              <a:t>Сбор метрик </a:t>
-            </a:r>
-            <a:r>
-              <a:rPr lang="ru-RU" sz="1800" b="0" i="0" u="none" strike="noStrike" cap="none" spc="0">
-                <a:solidFill>
-                  <a:schemeClr val="bg1"/>
-                </a:solidFill>
-                <a:latin typeface="Arial"/>
-                <a:ea typeface="Arial"/>
-                <a:cs typeface="Arial"/>
-              </a:rPr>
-              <a:t>сервера</a:t>
-            </a:r>
-            <a:endParaRPr/>
-          </a:p>
-          <a:p>
-            <a:pPr>
-              <a:defRPr/>
-            </a:pPr>
-            <a:r>
-              <a:rPr lang="ru-RU" sz="1800" b="0" i="0" u="none" strike="noStrike" cap="none" spc="0">
-                <a:solidFill>
-                  <a:schemeClr val="bg1"/>
-                </a:solidFill>
-                <a:latin typeface="Arial"/>
-                <a:ea typeface="Arial"/>
-                <a:cs typeface="Arial"/>
-              </a:rPr>
-              <a:t>Мониторинг логов сервера</a:t>
+              <a:rPr lang="ru-RU" sz="1800">
+                <a:solidFill>
+                  <a:schemeClr val="bg1"/>
+                </a:solidFill>
+              </a:rPr>
+              <a:t>Управление хранилищем docker registry</a:t>
+            </a:r>
+            <a:endParaRPr lang="ru-RU" sz="1800">
+              <a:solidFill>
+                <a:schemeClr val="bg1"/>
+              </a:solidFill>
+            </a:endParaRPr>
+          </a:p>
+          <a:p>
+            <a:pPr>
+              <a:defRPr/>
+            </a:pPr>
+            <a:r>
+              <a:rPr lang="ru-RU" sz="1800">
+                <a:solidFill>
+                  <a:schemeClr val="bg1"/>
+                </a:solidFill>
+              </a:rPr>
+              <a:t>Автоматизация сборки контейнеров</a:t>
+            </a:r>
+            <a:endParaRPr lang="ru-RU" sz="1800">
+              <a:solidFill>
+                <a:schemeClr val="bg1"/>
+              </a:solidFill>
+            </a:endParaRPr>
+          </a:p>
+          <a:p>
+            <a:pPr>
+              <a:defRPr/>
+            </a:pPr>
+            <a:r>
+              <a:rPr lang="ru-RU" sz="1800">
+                <a:solidFill>
+                  <a:schemeClr val="bg1"/>
+                </a:solidFill>
+              </a:rPr>
+              <a:t>Управление доступами</a:t>
             </a:r>
             <a:endParaRPr lang="ru-RU" sz="1800">
               <a:solidFill>
@@ -9980,7 +9962,7 @@
                 <a:ea typeface="Arial"/>
                 <a:cs typeface="Arial"/>
               </a:rPr>
-              <a:t>Настройки Nginx в качестве реверс-прокси</a:t>
+              <a:t>Поддержание работоспособности прода</a:t>
             </a:r>
             <a:endParaRPr sz="1800">
               <a:solidFill>
@@ -10001,7 +9983,7 @@
                 <a:ea typeface="Arial"/>
                 <a:cs typeface="Arial"/>
               </a:rPr>
-              <a:t>Генерация сертификатов для https</a:t>
+              <a:t>Добавление необходимых библиотек</a:t>
             </a:r>
             <a:endParaRPr lang="ru-RU" sz="1800" b="0" i="0" u="none" strike="noStrike" cap="none" spc="0">
               <a:solidFill>
@@ -10024,14 +10006,15 @@
                 <a:ea typeface="Arial"/>
                 <a:cs typeface="Arial"/>
               </a:rPr>
-              <a:t>Поддержание работоспособности сервера</a:t>
+              <a:t>Быстрое реагирование на инцеденты</a:t>
             </a:r>
             <a:endParaRPr lang="ru-RU" sz="1800" b="0" i="0" u="none" strike="noStrike" cap="none" spc="0">
               <a:solidFill>
                 <a:schemeClr val="bg1"/>
               </a:solidFill>
-              <a:latin typeface="Times New Roman"/>
-              <a:cs typeface="Times New Roman"/>
+              <a:latin typeface="Arial"/>
+              <a:ea typeface="Arial"/>
+              <a:cs typeface="Arial"/>
             </a:endParaRPr>
           </a:p>
           <a:p>
@@ -10047,8 +10030,21 @@
                 <a:ea typeface="Arial"/>
                 <a:cs typeface="Arial"/>
               </a:rPr>
-              <a:t>Сбор метрик </a:t>
-            </a:r>
+              <a:t>Сбор метрик, логов, аналитики</a:t>
+            </a:r>
+            <a:endParaRPr lang="ru-RU" sz="1800" b="0" i="0" u="none" strike="noStrike" cap="none" spc="0">
+              <a:solidFill>
+                <a:schemeClr val="bg1"/>
+              </a:solidFill>
+              <a:latin typeface="Arial"/>
+              <a:ea typeface="Arial"/>
+              <a:cs typeface="Arial"/>
+            </a:endParaRPr>
+          </a:p>
+          <a:p>
+            <a:pPr>
+              <a:defRPr/>
+            </a:pPr>
             <a:r>
               <a:rPr lang="ru-RU" sz="1800" b="0" i="0" u="none" strike="noStrike" cap="none" spc="0">
                 <a:solidFill>
@@ -10058,24 +10054,7 @@
                 <a:ea typeface="Arial"/>
                 <a:cs typeface="Arial"/>
               </a:rPr>
-              <a:t>сервера</a:t>
-            </a:r>
-            <a:endParaRPr/>
-          </a:p>
-          <a:p>
-            <a:pPr>
-              <a:defRPr/>
-            </a:pPr>
-            <a:r>
-              <a:rPr lang="ru-RU" sz="1800" b="0" i="0" u="none" strike="noStrike" cap="none" spc="0">
-                <a:solidFill>
-                  <a:schemeClr val="bg1"/>
-                </a:solidFill>
-                <a:latin typeface="Arial"/>
-                <a:ea typeface="Arial"/>
-                <a:cs typeface="Arial"/>
-              </a:rPr>
-              <a:t>Мониторинг логов сервера</a:t>
+              <a:t>Помощь в написании дагов</a:t>
             </a:r>
             <a:endParaRPr lang="ru-RU" sz="1800">
               <a:solidFill>
@@ -10501,12 +10480,15 @@
                 <a:ea typeface="Arial"/>
                 <a:cs typeface="Arial"/>
               </a:rPr>
-              <a:t>Настройки Nginx в качестве реверс-прокси</a:t>
-            </a:r>
-            <a:endParaRPr sz="1800">
-              <a:solidFill>
-                <a:schemeClr val="bg1"/>
-              </a:solidFill>
+              <a:t>Настройка и развёртывание приложения</a:t>
+            </a:r>
+            <a:endParaRPr lang="ru-RU" sz="1800" b="0" i="0" u="none" strike="noStrike" cap="none" spc="0">
+              <a:solidFill>
+                <a:schemeClr val="bg1"/>
+              </a:solidFill>
+              <a:latin typeface="Arial"/>
+              <a:ea typeface="Arial"/>
+              <a:cs typeface="Arial"/>
             </a:endParaRPr>
           </a:p>
           <a:p>
@@ -10522,14 +10504,15 @@
                 <a:ea typeface="Arial"/>
                 <a:cs typeface="Arial"/>
               </a:rPr>
-              <a:t>Генерация сертификатов для https</a:t>
+              <a:t>Настройка взаимодействия с продом</a:t>
             </a:r>
             <a:endParaRPr lang="ru-RU" sz="1800" b="0" i="0" u="none" strike="noStrike" cap="none" spc="0">
               <a:solidFill>
                 <a:schemeClr val="bg1"/>
               </a:solidFill>
-              <a:latin typeface="Times New Roman"/>
-              <a:cs typeface="Times New Roman"/>
+              <a:latin typeface="Arial"/>
+              <a:ea typeface="Arial"/>
+              <a:cs typeface="Arial"/>
             </a:endParaRPr>
           </a:p>
           <a:p>
@@ -10545,14 +10528,15 @@
                 <a:ea typeface="Arial"/>
                 <a:cs typeface="Arial"/>
               </a:rPr>
-              <a:t>Поддержание работоспособности сервера</a:t>
+              <a:t>Настройка доступов для команды</a:t>
             </a:r>
             <a:endParaRPr lang="ru-RU" sz="1800" b="0" i="0" u="none" strike="noStrike" cap="none" spc="0">
               <a:solidFill>
                 <a:schemeClr val="bg1"/>
               </a:solidFill>
-              <a:latin typeface="Times New Roman"/>
-              <a:cs typeface="Times New Roman"/>
+              <a:latin typeface="Arial"/>
+              <a:ea typeface="Arial"/>
+              <a:cs typeface="Arial"/>
             </a:endParaRPr>
           </a:p>
           <a:p>
@@ -10568,35 +10552,7 @@
                 <a:ea typeface="Arial"/>
                 <a:cs typeface="Arial"/>
               </a:rPr>
-              <a:t>Сбор метрик </a:t>
-            </a:r>
-            <a:r>
-              <a:rPr lang="ru-RU" sz="1800" b="0" i="0" u="none" strike="noStrike" cap="none" spc="0">
-                <a:solidFill>
-                  <a:schemeClr val="bg1"/>
-                </a:solidFill>
-                <a:latin typeface="Arial"/>
-                <a:ea typeface="Arial"/>
-                <a:cs typeface="Arial"/>
-              </a:rPr>
-              <a:t>сервера</a:t>
-            </a:r>
-            <a:endParaRPr/>
-          </a:p>
-          <a:p>
-            <a:pPr>
-              <a:defRPr/>
-            </a:pPr>
-            <a:r>
-              <a:rPr lang="ru-RU" sz="1800" b="0" i="0" u="none" strike="noStrike" cap="none" spc="0">
-                <a:solidFill>
-                  <a:schemeClr val="bg1"/>
-                </a:solidFill>
-                <a:latin typeface="Arial"/>
-                <a:ea typeface="Arial"/>
-                <a:cs typeface="Arial"/>
-              </a:rPr>
-              <a:t>Мониторинг логов сервера</a:t>
+              <a:t>Мониторинг и отчётность</a:t>
             </a:r>
             <a:endParaRPr lang="ru-RU" sz="1800">
               <a:solidFill>
@@ -11045,12 +11001,15 @@
                 <a:ea typeface="Arial"/>
                 <a:cs typeface="Arial"/>
               </a:rPr>
-              <a:t>Настройки Nginx в качестве реверс-прокси</a:t>
-            </a:r>
-            <a:endParaRPr sz="1800">
-              <a:solidFill>
-                <a:schemeClr val="bg1"/>
-              </a:solidFill>
+              <a:t>Развёртывание распределённой БД</a:t>
+            </a:r>
+            <a:endParaRPr lang="ru-RU" sz="1800" b="0" i="0" u="none" strike="noStrike" cap="none" spc="0">
+              <a:solidFill>
+                <a:schemeClr val="bg1"/>
+              </a:solidFill>
+              <a:latin typeface="Arial"/>
+              <a:ea typeface="Arial"/>
+              <a:cs typeface="Arial"/>
             </a:endParaRPr>
           </a:p>
           <a:p>
@@ -11066,14 +11025,15 @@
                 <a:ea typeface="Arial"/>
                 <a:cs typeface="Arial"/>
               </a:rPr>
-              <a:t>Генерация сертификатов для https</a:t>
+              <a:t>Сбор аналитики и метрик с серверов</a:t>
             </a:r>
             <a:endParaRPr lang="ru-RU" sz="1800" b="0" i="0" u="none" strike="noStrike" cap="none" spc="0">
               <a:solidFill>
                 <a:schemeClr val="bg1"/>
               </a:solidFill>
-              <a:latin typeface="Times New Roman"/>
-              <a:cs typeface="Times New Roman"/>
+              <a:latin typeface="Arial"/>
+              <a:ea typeface="Arial"/>
+              <a:cs typeface="Arial"/>
             </a:endParaRPr>
           </a:p>
           <a:p>
@@ -11089,63 +11049,15 @@
                 <a:ea typeface="Arial"/>
                 <a:cs typeface="Arial"/>
               </a:rPr>
-              <a:t>Поддержание работоспособности сервера</a:t>
+              <a:t>Реагирование на инциденты</a:t>
             </a:r>
             <a:endParaRPr lang="ru-RU" sz="1800" b="0" i="0" u="none" strike="noStrike" cap="none" spc="0">
               <a:solidFill>
                 <a:schemeClr val="bg1"/>
               </a:solidFill>
-              <a:latin typeface="Times New Roman"/>
-              <a:cs typeface="Times New Roman"/>
-            </a:endParaRPr>
-          </a:p>
-          <a:p>
-            <a:pPr>
-              <a:defRPr/>
-            </a:pPr>
-            <a:r>
-              <a:rPr lang="ru-RU" sz="1800" b="0" i="0" u="none" strike="noStrike" cap="none" spc="0">
-                <a:solidFill>
-                  <a:schemeClr val="bg1"/>
-                </a:solidFill>
-                <a:latin typeface="Arial"/>
-                <a:ea typeface="Arial"/>
-                <a:cs typeface="Arial"/>
-              </a:rPr>
-              <a:t>Сбор метрик </a:t>
-            </a:r>
-            <a:r>
-              <a:rPr lang="ru-RU" sz="1800" b="0" i="0" u="none" strike="noStrike" cap="none" spc="0">
-                <a:solidFill>
-                  <a:schemeClr val="bg1"/>
-                </a:solidFill>
-                <a:latin typeface="Arial"/>
-                <a:ea typeface="Arial"/>
-                <a:cs typeface="Arial"/>
-              </a:rPr>
-              <a:t>сервера</a:t>
-            </a:r>
-            <a:endParaRPr/>
-          </a:p>
-          <a:p>
-            <a:pPr>
-              <a:defRPr/>
-            </a:pPr>
-            <a:r>
-              <a:rPr lang="ru-RU" sz="1800" b="0" i="0" u="none" strike="noStrike" cap="none" spc="0">
-                <a:solidFill>
-                  <a:schemeClr val="bg1"/>
-                </a:solidFill>
-                <a:latin typeface="Arial"/>
-                <a:ea typeface="Arial"/>
-                <a:cs typeface="Arial"/>
-              </a:rPr>
-              <a:t>Мониторинг логов сервера</a:t>
-            </a:r>
-            <a:endParaRPr lang="ru-RU" sz="1800">
-              <a:solidFill>
-                <a:schemeClr val="bg1"/>
-              </a:solidFill>
+              <a:latin typeface="Arial"/>
+              <a:ea typeface="Arial"/>
+              <a:cs typeface="Arial"/>
             </a:endParaRPr>
           </a:p>
         </p:txBody>
